--- a/zkdoc/styleguide/menupopup-grace.pptx
+++ b/zkdoc/styleguide/menupopup-grace.pptx
@@ -289,7 +289,7 @@
             <a:fld id="{1D8BD707-D9CF-40AE-B4C6-C98DA3205C09}" type="datetimeFigureOut">
               <a:rPr lang="en-US" smtClean="0"/>
               <a:pPr/>
-              <a:t>2/25/2008</a:t>
+              <a:t>3/7/2008</a:t>
             </a:fld>
             <a:endParaRPr lang="en-US"/>
           </a:p>
@@ -456,7 +456,7 @@
             <a:fld id="{1D8BD707-D9CF-40AE-B4C6-C98DA3205C09}" type="datetimeFigureOut">
               <a:rPr lang="en-US" smtClean="0"/>
               <a:pPr/>
-              <a:t>2/25/2008</a:t>
+              <a:t>3/7/2008</a:t>
             </a:fld>
             <a:endParaRPr lang="en-US"/>
           </a:p>
@@ -633,7 +633,7 @@
             <a:fld id="{1D8BD707-D9CF-40AE-B4C6-C98DA3205C09}" type="datetimeFigureOut">
               <a:rPr lang="en-US" smtClean="0"/>
               <a:pPr/>
-              <a:t>2/25/2008</a:t>
+              <a:t>3/7/2008</a:t>
             </a:fld>
             <a:endParaRPr lang="en-US"/>
           </a:p>
@@ -800,7 +800,7 @@
             <a:fld id="{1D8BD707-D9CF-40AE-B4C6-C98DA3205C09}" type="datetimeFigureOut">
               <a:rPr lang="en-US" smtClean="0"/>
               <a:pPr/>
-              <a:t>2/25/2008</a:t>
+              <a:t>3/7/2008</a:t>
             </a:fld>
             <a:endParaRPr lang="en-US"/>
           </a:p>
@@ -1043,7 +1043,7 @@
             <a:fld id="{1D8BD707-D9CF-40AE-B4C6-C98DA3205C09}" type="datetimeFigureOut">
               <a:rPr lang="en-US" smtClean="0"/>
               <a:pPr/>
-              <a:t>2/25/2008</a:t>
+              <a:t>3/7/2008</a:t>
             </a:fld>
             <a:endParaRPr lang="en-US"/>
           </a:p>
@@ -1328,7 +1328,7 @@
             <a:fld id="{1D8BD707-D9CF-40AE-B4C6-C98DA3205C09}" type="datetimeFigureOut">
               <a:rPr lang="en-US" smtClean="0"/>
               <a:pPr/>
-              <a:t>2/25/2008</a:t>
+              <a:t>3/7/2008</a:t>
             </a:fld>
             <a:endParaRPr lang="en-US"/>
           </a:p>
@@ -1747,7 +1747,7 @@
             <a:fld id="{1D8BD707-D9CF-40AE-B4C6-C98DA3205C09}" type="datetimeFigureOut">
               <a:rPr lang="en-US" smtClean="0"/>
               <a:pPr/>
-              <a:t>2/25/2008</a:t>
+              <a:t>3/7/2008</a:t>
             </a:fld>
             <a:endParaRPr lang="en-US"/>
           </a:p>
@@ -1862,7 +1862,7 @@
             <a:fld id="{1D8BD707-D9CF-40AE-B4C6-C98DA3205C09}" type="datetimeFigureOut">
               <a:rPr lang="en-US" smtClean="0"/>
               <a:pPr/>
-              <a:t>2/25/2008</a:t>
+              <a:t>3/7/2008</a:t>
             </a:fld>
             <a:endParaRPr lang="en-US"/>
           </a:p>
@@ -1954,7 +1954,7 @@
             <a:fld id="{1D8BD707-D9CF-40AE-B4C6-C98DA3205C09}" type="datetimeFigureOut">
               <a:rPr lang="en-US" smtClean="0"/>
               <a:pPr/>
-              <a:t>2/25/2008</a:t>
+              <a:t>3/7/2008</a:t>
             </a:fld>
             <a:endParaRPr lang="en-US"/>
           </a:p>
@@ -2228,7 +2228,7 @@
             <a:fld id="{1D8BD707-D9CF-40AE-B4C6-C98DA3205C09}" type="datetimeFigureOut">
               <a:rPr lang="en-US" smtClean="0"/>
               <a:pPr/>
-              <a:t>2/25/2008</a:t>
+              <a:t>3/7/2008</a:t>
             </a:fld>
             <a:endParaRPr lang="en-US"/>
           </a:p>
@@ -2478,7 +2478,7 @@
             <a:fld id="{1D8BD707-D9CF-40AE-B4C6-C98DA3205C09}" type="datetimeFigureOut">
               <a:rPr lang="en-US" smtClean="0"/>
               <a:pPr/>
-              <a:t>2/25/2008</a:t>
+              <a:t>3/7/2008</a:t>
             </a:fld>
             <a:endParaRPr lang="en-US"/>
           </a:p>
@@ -2688,7 +2688,7 @@
             <a:fld id="{1D8BD707-D9CF-40AE-B4C6-C98DA3205C09}" type="datetimeFigureOut">
               <a:rPr lang="en-US" smtClean="0"/>
               <a:pPr/>
-              <a:t>2/25/2008</a:t>
+              <a:t>3/7/2008</a:t>
             </a:fld>
             <a:endParaRPr lang="en-US"/>
           </a:p>
@@ -3758,6 +3758,74 @@
           </a:p>
         </p:txBody>
       </p:sp>
+      <p:pic>
+        <p:nvPicPr>
+          <p:cNvPr id="19" name="Picture 18" descr="menupopup.png"/>
+          <p:cNvPicPr>
+            <a:picLocks noChangeAspect="1"/>
+          </p:cNvPicPr>
+          <p:nvPr/>
+        </p:nvPicPr>
+        <p:blipFill>
+          <a:blip r:embed="rId2"/>
+          <a:stretch>
+            <a:fillRect/>
+          </a:stretch>
+        </p:blipFill>
+        <p:spPr>
+          <a:xfrm>
+            <a:off x="685801" y="2971800"/>
+            <a:ext cx="828791" cy="1128870"/>
+          </a:xfrm>
+          <a:prstGeom prst="rect">
+            <a:avLst/>
+          </a:prstGeom>
+        </p:spPr>
+      </p:pic>
+      <p:sp>
+        <p:nvSpPr>
+          <p:cNvPr id="21" name="Rectangle 20"/>
+          <p:cNvSpPr/>
+          <p:nvPr/>
+        </p:nvSpPr>
+        <p:spPr>
+          <a:xfrm>
+            <a:off x="836576" y="3733800"/>
+            <a:ext cx="611224" cy="76202"/>
+          </a:xfrm>
+          <a:prstGeom prst="rect">
+            <a:avLst/>
+          </a:prstGeom>
+          <a:noFill/>
+          <a:ln>
+            <a:solidFill>
+              <a:srgbClr val="FF0000"/>
+            </a:solidFill>
+          </a:ln>
+        </p:spPr>
+        <p:style>
+          <a:lnRef idx="2">
+            <a:schemeClr val="accent2"/>
+          </a:lnRef>
+          <a:fillRef idx="1">
+            <a:schemeClr val="lt1"/>
+          </a:fillRef>
+          <a:effectRef idx="0">
+            <a:schemeClr val="accent2"/>
+          </a:effectRef>
+          <a:fontRef idx="minor">
+            <a:schemeClr val="dk1"/>
+          </a:fontRef>
+        </p:style>
+        <p:txBody>
+          <a:bodyPr rtlCol="0" anchor="ctr"/>
+          <a:lstStyle/>
+          <a:p>
+            <a:pPr algn="ctr"/>
+            <a:endParaRPr lang="zh-TW" altLang="en-US"/>
+          </a:p>
+        </p:txBody>
+      </p:sp>
     </p:spTree>
   </p:cSld>
   <p:clrMapOvr>
